--- a/team333-master/proposal/종합설계_제안서_180102.pptx
+++ b/team333-master/proposal/종합설계_제안서_180102.pptx
@@ -231,98 +231,6 @@
 <file path=ppt/changesInfos/changesInfo1.xml><?xml version="1.0" encoding="utf-8"?>
 <pc:chgInfo xmlns:a="http://schemas.openxmlformats.org/drawingml/2006/main" xmlns:r="http://schemas.openxmlformats.org/officeDocument/2006/relationships" xmlns:ac="http://schemas.microsoft.com/office/drawing/2013/main/command" xmlns:pc="http://schemas.microsoft.com/office/powerpoint/2013/main/command">
   <pc:docChgLst>
-    <pc:chgData name="김연수" userId="aebf67d56af0f801" providerId="LiveId" clId="{6E47EFAF-22FE-4DC4-BBF5-3379B15094C0}"/>
-    <pc:docChg chg="custSel modSld">
-      <pc:chgData name="김연수" userId="aebf67d56af0f801" providerId="LiveId" clId="{6E47EFAF-22FE-4DC4-BBF5-3379B15094C0}" dt="2017-11-16T06:35:58.931" v="448" actId="20577"/>
-      <pc:docMkLst>
-        <pc:docMk/>
-      </pc:docMkLst>
-      <pc:sldChg chg="modSp">
-        <pc:chgData name="김연수" userId="aebf67d56af0f801" providerId="LiveId" clId="{6E47EFAF-22FE-4DC4-BBF5-3379B15094C0}" dt="2017-11-16T06:26:18.874" v="19" actId="20577"/>
-        <pc:sldMkLst>
-          <pc:docMk/>
-          <pc:sldMk cId="0" sldId="295"/>
-        </pc:sldMkLst>
-        <pc:spChg chg="mod">
-          <ac:chgData name="김연수" userId="aebf67d56af0f801" providerId="LiveId" clId="{6E47EFAF-22FE-4DC4-BBF5-3379B15094C0}" dt="2017-11-16T06:26:18.874" v="19" actId="20577"/>
-          <ac:spMkLst>
-            <pc:docMk/>
-            <pc:sldMk cId="0" sldId="295"/>
-            <ac:spMk id="4098" creationId="{B91A6A85-F006-406B-9A6F-1910752A476E}"/>
-          </ac:spMkLst>
-        </pc:spChg>
-      </pc:sldChg>
-      <pc:sldChg chg="modSp">
-        <pc:chgData name="김연수" userId="aebf67d56af0f801" providerId="LiveId" clId="{6E47EFAF-22FE-4DC4-BBF5-3379B15094C0}" dt="2017-11-16T06:33:27.241" v="416" actId="20577"/>
-        <pc:sldMkLst>
-          <pc:docMk/>
-          <pc:sldMk cId="0" sldId="354"/>
-        </pc:sldMkLst>
-        <pc:spChg chg="mod">
-          <ac:chgData name="김연수" userId="aebf67d56af0f801" providerId="LiveId" clId="{6E47EFAF-22FE-4DC4-BBF5-3379B15094C0}" dt="2017-11-16T06:33:27.241" v="416" actId="20577"/>
-          <ac:spMkLst>
-            <pc:docMk/>
-            <pc:sldMk cId="0" sldId="354"/>
-            <ac:spMk id="7171" creationId="{B1C97327-8CE4-44C2-953A-A79C906AB826}"/>
-          </ac:spMkLst>
-        </pc:spChg>
-      </pc:sldChg>
-      <pc:sldChg chg="delSp">
-        <pc:chgData name="김연수" userId="aebf67d56af0f801" providerId="LiveId" clId="{6E47EFAF-22FE-4DC4-BBF5-3379B15094C0}" dt="2017-11-16T06:35:22.370" v="417" actId="478"/>
-        <pc:sldMkLst>
-          <pc:docMk/>
-          <pc:sldMk cId="0" sldId="363"/>
-        </pc:sldMkLst>
-        <pc:picChg chg="del">
-          <ac:chgData name="김연수" userId="aebf67d56af0f801" providerId="LiveId" clId="{6E47EFAF-22FE-4DC4-BBF5-3379B15094C0}" dt="2017-11-16T06:35:22.370" v="417" actId="478"/>
-          <ac:picMkLst>
-            <pc:docMk/>
-            <pc:sldMk cId="0" sldId="363"/>
-            <ac:picMk id="17412" creationId="{CC586EE9-913A-47F2-8A54-BA6CAD4A820D}"/>
-          </ac:picMkLst>
-        </pc:picChg>
-      </pc:sldChg>
-      <pc:sldChg chg="delSp modSp">
-        <pc:chgData name="김연수" userId="aebf67d56af0f801" providerId="LiveId" clId="{6E47EFAF-22FE-4DC4-BBF5-3379B15094C0}" dt="2017-11-16T06:35:58.931" v="448" actId="20577"/>
-        <pc:sldMkLst>
-          <pc:docMk/>
-          <pc:sldMk cId="0" sldId="364"/>
-        </pc:sldMkLst>
-        <pc:spChg chg="mod">
-          <ac:chgData name="김연수" userId="aebf67d56af0f801" providerId="LiveId" clId="{6E47EFAF-22FE-4DC4-BBF5-3379B15094C0}" dt="2017-11-16T06:35:58.931" v="448" actId="20577"/>
-          <ac:spMkLst>
-            <pc:docMk/>
-            <pc:sldMk cId="0" sldId="364"/>
-            <ac:spMk id="19459" creationId="{EE01BC80-1105-438F-A912-1CB2C1CF9158}"/>
-          </ac:spMkLst>
-        </pc:spChg>
-        <pc:picChg chg="del">
-          <ac:chgData name="김연수" userId="aebf67d56af0f801" providerId="LiveId" clId="{6E47EFAF-22FE-4DC4-BBF5-3379B15094C0}" dt="2017-11-16T06:35:47.754" v="419" actId="478"/>
-          <ac:picMkLst>
-            <pc:docMk/>
-            <pc:sldMk cId="0" sldId="364"/>
-            <ac:picMk id="19460" creationId="{9DEF1C87-016C-422D-B015-2A98D0EFDF94}"/>
-          </ac:picMkLst>
-        </pc:picChg>
-      </pc:sldChg>
-      <pc:sldChg chg="modSp">
-        <pc:chgData name="김연수" userId="aebf67d56af0f801" providerId="LiveId" clId="{6E47EFAF-22FE-4DC4-BBF5-3379B15094C0}" dt="2017-11-16T06:26:59.346" v="80" actId="20577"/>
-        <pc:sldMkLst>
-          <pc:docMk/>
-          <pc:sldMk cId="0" sldId="367"/>
-        </pc:sldMkLst>
-        <pc:spChg chg="mod">
-          <ac:chgData name="김연수" userId="aebf67d56af0f801" providerId="LiveId" clId="{6E47EFAF-22FE-4DC4-BBF5-3379B15094C0}" dt="2017-11-16T06:26:59.346" v="80" actId="20577"/>
-          <ac:spMkLst>
-            <pc:docMk/>
-            <pc:sldMk cId="0" sldId="367"/>
-            <ac:spMk id="6147" creationId="{1982F47F-F98A-4E68-B1AD-50A2D94E9337}"/>
-          </ac:spMkLst>
-        </pc:spChg>
-      </pc:sldChg>
-    </pc:docChg>
-  </pc:docChgLst>
-  <pc:docChgLst>
     <pc:chgData name="김연수" userId="aebf67d56af0f801" providerId="LiveId" clId="{B267D631-2991-4471-948B-76D7F4460DF1}"/>
     <pc:docChg chg="undo custSel addSld delSld modSld">
       <pc:chgData name="김연수" userId="aebf67d56af0f801" providerId="LiveId" clId="{B267D631-2991-4471-948B-76D7F4460DF1}" dt="2018-01-03T05:09:37.611" v="330" actId="2696"/>
@@ -474,6 +382,98 @@
           <pc:docMk/>
           <pc:sldMk cId="4013882097" sldId="381"/>
         </pc:sldMkLst>
+      </pc:sldChg>
+    </pc:docChg>
+  </pc:docChgLst>
+  <pc:docChgLst>
+    <pc:chgData name="김연수" userId="aebf67d56af0f801" providerId="LiveId" clId="{6E47EFAF-22FE-4DC4-BBF5-3379B15094C0}"/>
+    <pc:docChg chg="custSel modSld">
+      <pc:chgData name="김연수" userId="aebf67d56af0f801" providerId="LiveId" clId="{6E47EFAF-22FE-4DC4-BBF5-3379B15094C0}" dt="2017-11-16T06:35:58.931" v="448" actId="20577"/>
+      <pc:docMkLst>
+        <pc:docMk/>
+      </pc:docMkLst>
+      <pc:sldChg chg="modSp">
+        <pc:chgData name="김연수" userId="aebf67d56af0f801" providerId="LiveId" clId="{6E47EFAF-22FE-4DC4-BBF5-3379B15094C0}" dt="2017-11-16T06:26:18.874" v="19" actId="20577"/>
+        <pc:sldMkLst>
+          <pc:docMk/>
+          <pc:sldMk cId="0" sldId="295"/>
+        </pc:sldMkLst>
+        <pc:spChg chg="mod">
+          <ac:chgData name="김연수" userId="aebf67d56af0f801" providerId="LiveId" clId="{6E47EFAF-22FE-4DC4-BBF5-3379B15094C0}" dt="2017-11-16T06:26:18.874" v="19" actId="20577"/>
+          <ac:spMkLst>
+            <pc:docMk/>
+            <pc:sldMk cId="0" sldId="295"/>
+            <ac:spMk id="4098" creationId="{B91A6A85-F006-406B-9A6F-1910752A476E}"/>
+          </ac:spMkLst>
+        </pc:spChg>
+      </pc:sldChg>
+      <pc:sldChg chg="modSp">
+        <pc:chgData name="김연수" userId="aebf67d56af0f801" providerId="LiveId" clId="{6E47EFAF-22FE-4DC4-BBF5-3379B15094C0}" dt="2017-11-16T06:33:27.241" v="416" actId="20577"/>
+        <pc:sldMkLst>
+          <pc:docMk/>
+          <pc:sldMk cId="0" sldId="354"/>
+        </pc:sldMkLst>
+        <pc:spChg chg="mod">
+          <ac:chgData name="김연수" userId="aebf67d56af0f801" providerId="LiveId" clId="{6E47EFAF-22FE-4DC4-BBF5-3379B15094C0}" dt="2017-11-16T06:33:27.241" v="416" actId="20577"/>
+          <ac:spMkLst>
+            <pc:docMk/>
+            <pc:sldMk cId="0" sldId="354"/>
+            <ac:spMk id="7171" creationId="{B1C97327-8CE4-44C2-953A-A79C906AB826}"/>
+          </ac:spMkLst>
+        </pc:spChg>
+      </pc:sldChg>
+      <pc:sldChg chg="delSp">
+        <pc:chgData name="김연수" userId="aebf67d56af0f801" providerId="LiveId" clId="{6E47EFAF-22FE-4DC4-BBF5-3379B15094C0}" dt="2017-11-16T06:35:22.370" v="417" actId="478"/>
+        <pc:sldMkLst>
+          <pc:docMk/>
+          <pc:sldMk cId="0" sldId="363"/>
+        </pc:sldMkLst>
+        <pc:picChg chg="del">
+          <ac:chgData name="김연수" userId="aebf67d56af0f801" providerId="LiveId" clId="{6E47EFAF-22FE-4DC4-BBF5-3379B15094C0}" dt="2017-11-16T06:35:22.370" v="417" actId="478"/>
+          <ac:picMkLst>
+            <pc:docMk/>
+            <pc:sldMk cId="0" sldId="363"/>
+            <ac:picMk id="17412" creationId="{CC586EE9-913A-47F2-8A54-BA6CAD4A820D}"/>
+          </ac:picMkLst>
+        </pc:picChg>
+      </pc:sldChg>
+      <pc:sldChg chg="delSp modSp">
+        <pc:chgData name="김연수" userId="aebf67d56af0f801" providerId="LiveId" clId="{6E47EFAF-22FE-4DC4-BBF5-3379B15094C0}" dt="2017-11-16T06:35:58.931" v="448" actId="20577"/>
+        <pc:sldMkLst>
+          <pc:docMk/>
+          <pc:sldMk cId="0" sldId="364"/>
+        </pc:sldMkLst>
+        <pc:spChg chg="mod">
+          <ac:chgData name="김연수" userId="aebf67d56af0f801" providerId="LiveId" clId="{6E47EFAF-22FE-4DC4-BBF5-3379B15094C0}" dt="2017-11-16T06:35:58.931" v="448" actId="20577"/>
+          <ac:spMkLst>
+            <pc:docMk/>
+            <pc:sldMk cId="0" sldId="364"/>
+            <ac:spMk id="19459" creationId="{EE01BC80-1105-438F-A912-1CB2C1CF9158}"/>
+          </ac:spMkLst>
+        </pc:spChg>
+        <pc:picChg chg="del">
+          <ac:chgData name="김연수" userId="aebf67d56af0f801" providerId="LiveId" clId="{6E47EFAF-22FE-4DC4-BBF5-3379B15094C0}" dt="2017-11-16T06:35:47.754" v="419" actId="478"/>
+          <ac:picMkLst>
+            <pc:docMk/>
+            <pc:sldMk cId="0" sldId="364"/>
+            <ac:picMk id="19460" creationId="{9DEF1C87-016C-422D-B015-2A98D0EFDF94}"/>
+          </ac:picMkLst>
+        </pc:picChg>
+      </pc:sldChg>
+      <pc:sldChg chg="modSp">
+        <pc:chgData name="김연수" userId="aebf67d56af0f801" providerId="LiveId" clId="{6E47EFAF-22FE-4DC4-BBF5-3379B15094C0}" dt="2017-11-16T06:26:59.346" v="80" actId="20577"/>
+        <pc:sldMkLst>
+          <pc:docMk/>
+          <pc:sldMk cId="0" sldId="367"/>
+        </pc:sldMkLst>
+        <pc:spChg chg="mod">
+          <ac:chgData name="김연수" userId="aebf67d56af0f801" providerId="LiveId" clId="{6E47EFAF-22FE-4DC4-BBF5-3379B15094C0}" dt="2017-11-16T06:26:59.346" v="80" actId="20577"/>
+          <ac:spMkLst>
+            <pc:docMk/>
+            <pc:sldMk cId="0" sldId="367"/>
+            <ac:spMk id="6147" creationId="{1982F47F-F98A-4E68-B1AD-50A2D94E9337}"/>
+          </ac:spMkLst>
+        </pc:spChg>
       </pc:sldChg>
     </pc:docChg>
   </pc:docChgLst>
@@ -3414,7 +3414,7 @@
           <a:graphicData uri="http://schemas.openxmlformats.org/presentationml/2006/ole">
             <mc:AlternateContent xmlns:mc="http://schemas.openxmlformats.org/markup-compatibility/2006">
               <mc:Choice xmlns:v="urn:schemas-microsoft-com:vml" Requires="v">
-                <p:oleObj spid="_x0000_s2050" name="Image" r:id="rId3" imgW="13003175" imgH="7555556" progId="Photoshop.Image.7">
+                <p:oleObj spid="_x0000_s2051" name="Image" r:id="rId3" imgW="13003175" imgH="7555556" progId="Photoshop.Image.7">
                   <p:embed/>
                 </p:oleObj>
               </mc:Choice>
@@ -4723,7 +4723,7 @@
           <a:graphicData uri="http://schemas.openxmlformats.org/presentationml/2006/ole">
             <mc:AlternateContent xmlns:mc="http://schemas.openxmlformats.org/markup-compatibility/2006">
               <mc:Choice xmlns:v="urn:schemas-microsoft-com:vml" Requires="v">
-                <p:oleObj spid="_x0000_s3074" name="Image" r:id="rId3" imgW="6361905" imgH="5663492" progId="Photoshop.Image.7">
+                <p:oleObj spid="_x0000_s3075" name="Image" r:id="rId3" imgW="6361905" imgH="5663492" progId="Photoshop.Image.7">
                   <p:embed/>
                 </p:oleObj>
               </mc:Choice>
@@ -6908,7 +6908,7 @@
           <a:graphicData uri="http://schemas.openxmlformats.org/presentationml/2006/ole">
             <mc:AlternateContent xmlns:mc="http://schemas.openxmlformats.org/markup-compatibility/2006">
               <mc:Choice xmlns:v="urn:schemas-microsoft-com:vml" Requires="v">
-                <p:oleObj spid="_x0000_s1026" name="Image" r:id="rId15" imgW="6361905" imgH="5663492" progId="Photoshop.Image.7">
+                <p:oleObj spid="_x0000_s1027" name="Image" r:id="rId15" imgW="6361905" imgH="5663492" progId="Photoshop.Image.7">
                   <p:embed/>
                 </p:oleObj>
               </mc:Choice>
@@ -12920,14 +12920,14 @@
           <p:nvPr>
             <p:extLst>
               <p:ext uri="{D42A27DB-BD31-4B8C-83A1-F6EECF244321}">
-                <p14:modId xmlns:p14="http://schemas.microsoft.com/office/powerpoint/2010/main" val="2718896933"/>
+                <p14:modId xmlns:p14="http://schemas.microsoft.com/office/powerpoint/2010/main" val="52239783"/>
               </p:ext>
             </p:extLst>
           </p:nvPr>
         </p:nvGraphicFramePr>
         <p:xfrm>
           <a:off x="683568" y="1052736"/>
-          <a:ext cx="7344817" cy="5178319"/>
+          <a:ext cx="7344817" cy="5115581"/>
         </p:xfrm>
         <a:graphic>
           <a:graphicData uri="http://schemas.openxmlformats.org/drawingml/2006/table">
@@ -14338,53 +14338,15 @@
                           <a:latin typeface="굴림" panose="020B0600000101010101" pitchFamily="50" charset="-127"/>
                           <a:ea typeface="굴림" panose="020B0600000101010101" pitchFamily="50" charset="-127"/>
                         </a:rPr>
-                        <a:t> 어플리케이션 제작</a:t>
+                        <a:t> </a:t>
                       </a:r>
                       <a:r>
-                        <a:rPr lang="en-US" altLang="ko-KR" sz="1300" b="1" baseline="0" dirty="0">
+                        <a:rPr lang="ko-KR" altLang="en-US" sz="1300" b="1" baseline="0">
                           <a:latin typeface="굴림" panose="020B0600000101010101" pitchFamily="50" charset="-127"/>
                           <a:ea typeface="굴림" panose="020B0600000101010101" pitchFamily="50" charset="-127"/>
                         </a:rPr>
-                        <a:t>, </a:t>
+                        <a:t>어플리케이션 제작</a:t>
                       </a:r>
-                      <a:r>
-                        <a:rPr lang="en-US" altLang="ko-KR" sz="1300" b="1" baseline="0" dirty="0" err="1">
-                          <a:latin typeface="굴림" panose="020B0600000101010101" pitchFamily="50" charset="-127"/>
-                          <a:ea typeface="굴림" panose="020B0600000101010101" pitchFamily="50" charset="-127"/>
-                        </a:rPr>
-                        <a:t>dtls</a:t>
-                      </a:r>
-                      <a:r>
-                        <a:rPr lang="ko-KR" altLang="en-US" sz="1300" b="1" baseline="0" dirty="0">
-                          <a:latin typeface="굴림" panose="020B0600000101010101" pitchFamily="50" charset="-127"/>
-                          <a:ea typeface="굴림" panose="020B0600000101010101" pitchFamily="50" charset="-127"/>
-                        </a:rPr>
-                        <a:t>보안 모듈 설계</a:t>
-                      </a:r>
-                      <a:endParaRPr lang="ko-KR" altLang="en-US" sz="1300" b="1" dirty="0">
-                        <a:latin typeface="굴림" panose="020B0600000101010101" pitchFamily="50" charset="-127"/>
-                        <a:ea typeface="굴림" panose="020B0600000101010101" pitchFamily="50" charset="-127"/>
-                      </a:endParaRPr>
-                    </a:p>
-                    <a:p>
-                      <a:pPr marL="0" marR="0" lvl="0" indent="0" algn="l" defTabSz="958850" rtl="0" eaLnBrk="1" fontAlgn="base" latinLnBrk="1" hangingPunct="1">
-                        <a:lnSpc>
-                          <a:spcPct val="120000"/>
-                        </a:lnSpc>
-                        <a:spcBef>
-                          <a:spcPct val="20000"/>
-                        </a:spcBef>
-                        <a:spcAft>
-                          <a:spcPct val="0"/>
-                        </a:spcAft>
-                        <a:buClr>
-                          <a:schemeClr val="tx2"/>
-                        </a:buClr>
-                        <a:buSzTx/>
-                        <a:buFont typeface="Wingdings" pitchFamily="2" charset="2"/>
-                        <a:buNone/>
-                        <a:tabLst/>
-                      </a:pPr>
                       <a:endParaRPr kumimoji="1" lang="en-US" altLang="ko-KR" sz="1300" b="1" i="0" u="none" strike="noStrike" cap="none" normalizeH="0" baseline="0" dirty="0">
                         <a:ln>
                           <a:noFill/>
